--- a/Presentation/Project Presentation 3.pptx
+++ b/Presentation/Project Presentation 3.pptx
@@ -12125,7 +12125,7 @@
         </p:blipFill>
         <p:spPr>
           <a:xfrm>
-            <a:off x="440975" y="1460250"/>
+            <a:off x="116325" y="1460250"/>
             <a:ext cx="3530849" cy="3530849"/>
           </a:xfrm>
           <a:prstGeom prst="rect">
@@ -12153,8 +12153,8 @@
         </p:blipFill>
         <p:spPr>
           <a:xfrm>
-            <a:off x="4124225" y="1460250"/>
-            <a:ext cx="4789350" cy="3530850"/>
+            <a:off x="3754475" y="1460250"/>
+            <a:ext cx="5296275" cy="3530850"/>
           </a:xfrm>
           <a:prstGeom prst="rect">
             <a:avLst/>
